--- a/zhihe/界面.pptx
+++ b/zhihe/界面.pptx
@@ -6,7 +6,6 @@
   </p:sldMasterIdLst>
   <p:sldIdLst>
     <p:sldId id="256" r:id="rId2"/>
-    <p:sldId id="258" r:id="rId3"/>
   </p:sldIdLst>
   <p:sldSz cx="9144000" cy="6858000" type="screen4x3"/>
   <p:notesSz cx="6858000" cy="9144000"/>
@@ -289,7 +288,7 @@
           <a:p>
             <a:fld id="{530820CF-B880-4189-942D-D702A7CBA730}" type="datetimeFigureOut">
               <a:rPr lang="zh-CN" altLang="en-US" smtClean="0"/>
-              <a:t>2021/12/23</a:t>
+              <a:t>2021/12/26</a:t>
             </a:fld>
             <a:endParaRPr lang="zh-CN" altLang="en-US"/>
           </a:p>
@@ -454,7 +453,7 @@
           <a:p>
             <a:fld id="{530820CF-B880-4189-942D-D702A7CBA730}" type="datetimeFigureOut">
               <a:rPr lang="zh-CN" altLang="en-US" smtClean="0"/>
-              <a:t>2021/12/23</a:t>
+              <a:t>2021/12/26</a:t>
             </a:fld>
             <a:endParaRPr lang="zh-CN" altLang="en-US"/>
           </a:p>
@@ -629,7 +628,7 @@
           <a:p>
             <a:fld id="{530820CF-B880-4189-942D-D702A7CBA730}" type="datetimeFigureOut">
               <a:rPr lang="zh-CN" altLang="en-US" smtClean="0"/>
-              <a:t>2021/12/23</a:t>
+              <a:t>2021/12/26</a:t>
             </a:fld>
             <a:endParaRPr lang="zh-CN" altLang="en-US"/>
           </a:p>
@@ -794,7 +793,7 @@
           <a:p>
             <a:fld id="{530820CF-B880-4189-942D-D702A7CBA730}" type="datetimeFigureOut">
               <a:rPr lang="zh-CN" altLang="en-US" smtClean="0"/>
-              <a:t>2021/12/23</a:t>
+              <a:t>2021/12/26</a:t>
             </a:fld>
             <a:endParaRPr lang="zh-CN" altLang="en-US"/>
           </a:p>
@@ -1035,7 +1034,7 @@
           <a:p>
             <a:fld id="{530820CF-B880-4189-942D-D702A7CBA730}" type="datetimeFigureOut">
               <a:rPr lang="zh-CN" altLang="en-US" smtClean="0"/>
-              <a:t>2021/12/23</a:t>
+              <a:t>2021/12/26</a:t>
             </a:fld>
             <a:endParaRPr lang="zh-CN" altLang="en-US"/>
           </a:p>
@@ -1318,7 +1317,7 @@
           <a:p>
             <a:fld id="{530820CF-B880-4189-942D-D702A7CBA730}" type="datetimeFigureOut">
               <a:rPr lang="zh-CN" altLang="en-US" smtClean="0"/>
-              <a:t>2021/12/23</a:t>
+              <a:t>2021/12/26</a:t>
             </a:fld>
             <a:endParaRPr lang="zh-CN" altLang="en-US"/>
           </a:p>
@@ -1735,7 +1734,7 @@
           <a:p>
             <a:fld id="{530820CF-B880-4189-942D-D702A7CBA730}" type="datetimeFigureOut">
               <a:rPr lang="zh-CN" altLang="en-US" smtClean="0"/>
-              <a:t>2021/12/23</a:t>
+              <a:t>2021/12/26</a:t>
             </a:fld>
             <a:endParaRPr lang="zh-CN" altLang="en-US"/>
           </a:p>
@@ -1848,7 +1847,7 @@
           <a:p>
             <a:fld id="{530820CF-B880-4189-942D-D702A7CBA730}" type="datetimeFigureOut">
               <a:rPr lang="zh-CN" altLang="en-US" smtClean="0"/>
-              <a:t>2021/12/23</a:t>
+              <a:t>2021/12/26</a:t>
             </a:fld>
             <a:endParaRPr lang="zh-CN" altLang="en-US"/>
           </a:p>
@@ -1938,7 +1937,7 @@
           <a:p>
             <a:fld id="{530820CF-B880-4189-942D-D702A7CBA730}" type="datetimeFigureOut">
               <a:rPr lang="zh-CN" altLang="en-US" smtClean="0"/>
-              <a:t>2021/12/23</a:t>
+              <a:t>2021/12/26</a:t>
             </a:fld>
             <a:endParaRPr lang="zh-CN" altLang="en-US"/>
           </a:p>
@@ -2210,7 +2209,7 @@
           <a:p>
             <a:fld id="{530820CF-B880-4189-942D-D702A7CBA730}" type="datetimeFigureOut">
               <a:rPr lang="zh-CN" altLang="en-US" smtClean="0"/>
-              <a:t>2021/12/23</a:t>
+              <a:t>2021/12/26</a:t>
             </a:fld>
             <a:endParaRPr lang="zh-CN" altLang="en-US"/>
           </a:p>
@@ -2458,7 +2457,7 @@
           <a:p>
             <a:fld id="{530820CF-B880-4189-942D-D702A7CBA730}" type="datetimeFigureOut">
               <a:rPr lang="zh-CN" altLang="en-US" smtClean="0"/>
-              <a:t>2021/12/23</a:t>
+              <a:t>2021/12/26</a:t>
             </a:fld>
             <a:endParaRPr lang="zh-CN" altLang="en-US"/>
           </a:p>
@@ -2666,7 +2665,7 @@
           <a:p>
             <a:fld id="{530820CF-B880-4189-942D-D702A7CBA730}" type="datetimeFigureOut">
               <a:rPr lang="zh-CN" altLang="en-US" smtClean="0"/>
-              <a:t>2021/12/23</a:t>
+              <a:t>2021/12/26</a:t>
             </a:fld>
             <a:endParaRPr lang="zh-CN" altLang="en-US"/>
           </a:p>
@@ -3038,7 +3037,7 @@
       </p:grpSpPr>
       <p:pic>
         <p:nvPicPr>
-          <p:cNvPr id="4" name="图片 3"/>
+          <p:cNvPr id="5" name="图片 4"/>
           <p:cNvPicPr>
             <a:picLocks noChangeAspect="1"/>
           </p:cNvPicPr>
@@ -3058,8 +3057,8 @@
         </p:blipFill>
         <p:spPr>
           <a:xfrm>
-            <a:off x="2869350" y="808673"/>
-            <a:ext cx="3251367" cy="4597636"/>
+            <a:off x="4025868" y="1337322"/>
+            <a:ext cx="2965602" cy="5118363"/>
           </a:xfrm>
           <a:prstGeom prst="rect">
             <a:avLst/>
@@ -3068,21 +3067,59 @@
       </p:pic>
       <p:sp>
         <p:nvSpPr>
-          <p:cNvPr id="7" name="线形标注 1 6"/>
+          <p:cNvPr id="2" name="TextBox 1"/>
+          <p:cNvSpPr txBox="1"/>
+          <p:nvPr/>
+        </p:nvSpPr>
+        <p:spPr>
+          <a:xfrm>
+            <a:off x="3563888" y="385500"/>
+            <a:ext cx="3672408" cy="523220"/>
+          </a:xfrm>
+          <a:prstGeom prst="rect">
+            <a:avLst/>
+          </a:prstGeom>
+          <a:noFill/>
+        </p:spPr>
+        <p:txBody>
+          <a:bodyPr wrap="square" rtlCol="0">
+            <a:spAutoFit/>
+          </a:bodyPr>
+          <a:lstStyle/>
+          <a:p>
+            <a:r>
+              <a:rPr lang="zh-CN" altLang="en-US" sz="2800" b="1" dirty="0" smtClean="0">
+                <a:solidFill>
+                  <a:srgbClr val="FF0000"/>
+                </a:solidFill>
+              </a:rPr>
+              <a:t>界面介绍</a:t>
+            </a:r>
+            <a:endParaRPr lang="zh-CN" altLang="en-US" sz="2800" b="1" dirty="0">
+              <a:solidFill>
+                <a:srgbClr val="FF0000"/>
+              </a:solidFill>
+            </a:endParaRPr>
+          </a:p>
+        </p:txBody>
+      </p:sp>
+      <p:sp>
+        <p:nvSpPr>
+          <p:cNvPr id="14" name="线形标注 1 13"/>
           <p:cNvSpPr/>
           <p:nvPr/>
         </p:nvSpPr>
         <p:spPr>
           <a:xfrm>
-            <a:off x="1835696" y="1772816"/>
-            <a:ext cx="936104" cy="288032"/>
+            <a:off x="2987825" y="2060848"/>
+            <a:ext cx="864096" cy="288032"/>
           </a:xfrm>
           <a:prstGeom prst="borderCallout1">
             <a:avLst>
-              <a:gd name="adj1" fmla="val 50496"/>
-              <a:gd name="adj2" fmla="val 100338"/>
-              <a:gd name="adj3" fmla="val 120437"/>
-              <a:gd name="adj4" fmla="val 158861"/>
+              <a:gd name="adj1" fmla="val 44544"/>
+              <a:gd name="adj2" fmla="val 98811"/>
+              <a:gd name="adj3" fmla="val 46141"/>
+              <a:gd name="adj4" fmla="val 159078"/>
             </a:avLst>
           </a:prstGeom>
           <a:noFill/>
@@ -3131,21 +3168,21 @@
       </p:sp>
       <p:sp>
         <p:nvSpPr>
-          <p:cNvPr id="9" name="线形标注 1 8"/>
+          <p:cNvPr id="15" name="线形标注 1 14"/>
           <p:cNvSpPr/>
           <p:nvPr/>
         </p:nvSpPr>
         <p:spPr>
           <a:xfrm>
-            <a:off x="1835696" y="2564904"/>
-            <a:ext cx="936104" cy="360040"/>
+            <a:off x="2987824" y="2852936"/>
+            <a:ext cx="864096" cy="432048"/>
           </a:xfrm>
           <a:prstGeom prst="borderCallout1">
             <a:avLst>
-              <a:gd name="adj1" fmla="val 50496"/>
-              <a:gd name="adj2" fmla="val 100338"/>
-              <a:gd name="adj3" fmla="val 93453"/>
-              <a:gd name="adj4" fmla="val 143979"/>
+              <a:gd name="adj1" fmla="val 44544"/>
+              <a:gd name="adj2" fmla="val 98811"/>
+              <a:gd name="adj3" fmla="val 45406"/>
+              <a:gd name="adj4" fmla="val 150505"/>
             </a:avLst>
           </a:prstGeom>
           <a:noFill/>
@@ -3194,21 +3231,21 @@
       </p:sp>
       <p:sp>
         <p:nvSpPr>
-          <p:cNvPr id="10" name="线形标注 1 9"/>
+          <p:cNvPr id="16" name="线形标注 1 15"/>
           <p:cNvSpPr/>
           <p:nvPr/>
         </p:nvSpPr>
         <p:spPr>
           <a:xfrm>
-            <a:off x="1835696" y="3083471"/>
-            <a:ext cx="936104" cy="417537"/>
+            <a:off x="2864491" y="3456590"/>
+            <a:ext cx="1141553" cy="288032"/>
           </a:xfrm>
           <a:prstGeom prst="borderCallout1">
             <a:avLst>
-              <a:gd name="adj1" fmla="val 50496"/>
-              <a:gd name="adj2" fmla="val 100338"/>
-              <a:gd name="adj3" fmla="val 89069"/>
-              <a:gd name="adj4" fmla="val 147261"/>
+              <a:gd name="adj1" fmla="val 44544"/>
+              <a:gd name="adj2" fmla="val 98811"/>
+              <a:gd name="adj3" fmla="val 46142"/>
+              <a:gd name="adj4" fmla="val 124961"/>
             </a:avLst>
           </a:prstGeom>
           <a:noFill/>
@@ -3245,15 +3282,7 @@
                   <a:srgbClr val="FF0000"/>
                 </a:solidFill>
               </a:rPr>
-              <a:t>输入指标变量</a:t>
-            </a:r>
-            <a:r>
-              <a:rPr lang="zh-CN" altLang="en-US" sz="1200" dirty="0" smtClean="0">
-                <a:solidFill>
-                  <a:srgbClr val="FF0000"/>
-                </a:solidFill>
-              </a:rPr>
-              <a:t>列数</a:t>
+              <a:t>指标变量列数</a:t>
             </a:r>
             <a:endParaRPr lang="zh-CN" altLang="en-US" sz="1200" dirty="0">
               <a:solidFill>
@@ -3265,21 +3294,21 @@
       </p:sp>
       <p:sp>
         <p:nvSpPr>
-          <p:cNvPr id="11" name="线形标注 1 10"/>
+          <p:cNvPr id="17" name="线形标注 1 16"/>
           <p:cNvSpPr/>
           <p:nvPr/>
         </p:nvSpPr>
         <p:spPr>
           <a:xfrm>
-            <a:off x="1835696" y="3645024"/>
-            <a:ext cx="936104" cy="432048"/>
+            <a:off x="2864635" y="4005064"/>
+            <a:ext cx="1141553" cy="288032"/>
           </a:xfrm>
           <a:prstGeom prst="borderCallout1">
             <a:avLst>
-              <a:gd name="adj1" fmla="val 50496"/>
-              <a:gd name="adj2" fmla="val 100338"/>
-              <a:gd name="adj3" fmla="val 86045"/>
-              <a:gd name="adj4" fmla="val 147871"/>
+              <a:gd name="adj1" fmla="val 44544"/>
+              <a:gd name="adj2" fmla="val 98811"/>
+              <a:gd name="adj3" fmla="val 46142"/>
+              <a:gd name="adj4" fmla="val 124961"/>
             </a:avLst>
           </a:prstGeom>
           <a:noFill/>
@@ -3316,7 +3345,7 @@
                   <a:srgbClr val="FF0000"/>
                 </a:solidFill>
               </a:rPr>
-              <a:t>输入分组变量</a:t>
+              <a:t>分组变量</a:t>
             </a:r>
             <a:r>
               <a:rPr lang="zh-CN" altLang="en-US" sz="1200" dirty="0" smtClean="0">
@@ -3324,36 +3353,33 @@
                   <a:srgbClr val="FF0000"/>
                 </a:solidFill>
               </a:rPr>
-              <a:t>列</a:t>
-            </a:r>
-            <a:r>
-              <a:rPr lang="zh-CN" altLang="en-US" sz="1200" dirty="0">
-                <a:solidFill>
-                  <a:srgbClr val="FF0000"/>
-                </a:solidFill>
-              </a:rPr>
-              <a:t>数</a:t>
-            </a:r>
-          </a:p>
-        </p:txBody>
-      </p:sp>
-      <p:sp>
-        <p:nvSpPr>
-          <p:cNvPr id="13" name="线形标注 1 12"/>
+              <a:t>列数</a:t>
+            </a:r>
+            <a:endParaRPr lang="zh-CN" altLang="en-US" sz="1200" dirty="0">
+              <a:solidFill>
+                <a:srgbClr val="FF0000"/>
+              </a:solidFill>
+            </a:endParaRPr>
+          </a:p>
+        </p:txBody>
+      </p:sp>
+      <p:sp>
+        <p:nvSpPr>
+          <p:cNvPr id="18" name="线形标注 1 17"/>
           <p:cNvSpPr/>
           <p:nvPr/>
         </p:nvSpPr>
         <p:spPr>
           <a:xfrm>
-            <a:off x="1691680" y="4797152"/>
-            <a:ext cx="1152128" cy="288032"/>
+            <a:off x="2849096" y="4544576"/>
+            <a:ext cx="1141553" cy="288032"/>
           </a:xfrm>
           <a:prstGeom prst="borderCallout1">
             <a:avLst>
-              <a:gd name="adj1" fmla="val 52481"/>
-              <a:gd name="adj2" fmla="val 99417"/>
-              <a:gd name="adj3" fmla="val 54960"/>
-              <a:gd name="adj4" fmla="val 129243"/>
+              <a:gd name="adj1" fmla="val 44544"/>
+              <a:gd name="adj2" fmla="val 98811"/>
+              <a:gd name="adj3" fmla="val 46142"/>
+              <a:gd name="adj4" fmla="val 124961"/>
             </a:avLst>
           </a:prstGeom>
           <a:noFill/>
@@ -3390,7 +3416,7 @@
                   <a:srgbClr val="FF0000"/>
                 </a:solidFill>
               </a:rPr>
-              <a:t>点击查看结果</a:t>
+              <a:t>总体中位数</a:t>
             </a:r>
             <a:endParaRPr lang="zh-CN" altLang="en-US" sz="1200" dirty="0">
               <a:solidFill>
@@ -3402,59 +3428,21 @@
       </p:sp>
       <p:sp>
         <p:nvSpPr>
-          <p:cNvPr id="2" name="TextBox 1"/>
-          <p:cNvSpPr txBox="1"/>
+          <p:cNvPr id="19" name="线形标注 1 18"/>
+          <p:cNvSpPr/>
           <p:nvPr/>
         </p:nvSpPr>
         <p:spPr>
           <a:xfrm>
-            <a:off x="1907704" y="188640"/>
-            <a:ext cx="3672408" cy="523220"/>
-          </a:xfrm>
-          <a:prstGeom prst="rect">
-            <a:avLst/>
-          </a:prstGeom>
-          <a:noFill/>
-        </p:spPr>
-        <p:txBody>
-          <a:bodyPr wrap="square" rtlCol="0">
-            <a:spAutoFit/>
-          </a:bodyPr>
-          <a:lstStyle/>
-          <a:p>
-            <a:r>
-              <a:rPr lang="zh-CN" altLang="en-US" sz="2800" b="1" dirty="0" smtClean="0">
-                <a:solidFill>
-                  <a:srgbClr val="FF0000"/>
-                </a:solidFill>
-              </a:rPr>
-              <a:t>界面介绍</a:t>
-            </a:r>
-            <a:endParaRPr lang="zh-CN" altLang="en-US" sz="2800" b="1" dirty="0">
-              <a:solidFill>
-                <a:srgbClr val="FF0000"/>
-              </a:solidFill>
-            </a:endParaRPr>
-          </a:p>
-        </p:txBody>
-      </p:sp>
-      <p:sp>
-        <p:nvSpPr>
-          <p:cNvPr id="12" name="线形标注 1 11"/>
-          <p:cNvSpPr/>
-          <p:nvPr/>
-        </p:nvSpPr>
-        <p:spPr>
-          <a:xfrm>
-            <a:off x="1804539" y="4221088"/>
-            <a:ext cx="998418" cy="432048"/>
+            <a:off x="2864635" y="4961096"/>
+            <a:ext cx="1141553" cy="288032"/>
           </a:xfrm>
           <a:prstGeom prst="borderCallout1">
             <a:avLst>
-              <a:gd name="adj1" fmla="val 50496"/>
-              <a:gd name="adj2" fmla="val 100338"/>
-              <a:gd name="adj3" fmla="val 77207"/>
-              <a:gd name="adj4" fmla="val 141319"/>
+              <a:gd name="adj1" fmla="val 44544"/>
+              <a:gd name="adj2" fmla="val 98811"/>
+              <a:gd name="adj3" fmla="val 46142"/>
+              <a:gd name="adj4" fmla="val 124961"/>
             </a:avLst>
           </a:prstGeom>
           <a:noFill/>
@@ -3491,7 +3479,7 @@
                   <a:srgbClr val="FF0000"/>
                 </a:solidFill>
               </a:rPr>
-              <a:t>输入中位数</a:t>
+              <a:t>点击查看结果</a:t>
             </a:r>
             <a:endParaRPr lang="zh-CN" altLang="en-US" sz="1200" dirty="0">
               <a:solidFill>
@@ -3501,70 +3489,166 @@
           </a:p>
         </p:txBody>
       </p:sp>
+      <p:sp>
+        <p:nvSpPr>
+          <p:cNvPr id="20" name="线形标注 1 19"/>
+          <p:cNvSpPr/>
+          <p:nvPr/>
+        </p:nvSpPr>
+        <p:spPr>
+          <a:xfrm>
+            <a:off x="2864635" y="5445224"/>
+            <a:ext cx="1141553" cy="288032"/>
+          </a:xfrm>
+          <a:prstGeom prst="borderCallout1">
+            <a:avLst>
+              <a:gd name="adj1" fmla="val 44544"/>
+              <a:gd name="adj2" fmla="val 98811"/>
+              <a:gd name="adj3" fmla="val 46142"/>
+              <a:gd name="adj4" fmla="val 124961"/>
+            </a:avLst>
+          </a:prstGeom>
+          <a:noFill/>
+          <a:ln>
+            <a:solidFill>
+              <a:srgbClr val="FF0000"/>
+            </a:solidFill>
+          </a:ln>
+        </p:spPr>
+        <p:style>
+          <a:lnRef idx="2">
+            <a:schemeClr val="accent1">
+              <a:shade val="50000"/>
+            </a:schemeClr>
+          </a:lnRef>
+          <a:fillRef idx="1">
+            <a:schemeClr val="accent1"/>
+          </a:fillRef>
+          <a:effectRef idx="0">
+            <a:schemeClr val="accent1"/>
+          </a:effectRef>
+          <a:fontRef idx="minor">
+            <a:schemeClr val="lt1"/>
+          </a:fontRef>
+        </p:style>
+        <p:txBody>
+          <a:bodyPr rtlCol="0" anchor="ctr"/>
+          <a:lstStyle/>
+          <a:p>
+            <a:pPr algn="ctr"/>
+            <a:r>
+              <a:rPr lang="zh-CN" altLang="en-US" sz="1200" dirty="0" smtClean="0">
+                <a:solidFill>
+                  <a:srgbClr val="FF0000"/>
+                </a:solidFill>
+              </a:rPr>
+              <a:t>下载结果</a:t>
+            </a:r>
+            <a:endParaRPr lang="zh-CN" altLang="en-US" sz="1200" dirty="0">
+              <a:solidFill>
+                <a:srgbClr val="FF0000"/>
+              </a:solidFill>
+            </a:endParaRPr>
+          </a:p>
+        </p:txBody>
+      </p:sp>
+      <p:sp>
+        <p:nvSpPr>
+          <p:cNvPr id="21" name="线形标注 1 20"/>
+          <p:cNvSpPr/>
+          <p:nvPr/>
+        </p:nvSpPr>
+        <p:spPr>
+          <a:xfrm>
+            <a:off x="2864635" y="5965120"/>
+            <a:ext cx="1141553" cy="288032"/>
+          </a:xfrm>
+          <a:prstGeom prst="borderCallout1">
+            <a:avLst>
+              <a:gd name="adj1" fmla="val 44544"/>
+              <a:gd name="adj2" fmla="val 98811"/>
+              <a:gd name="adj3" fmla="val 46142"/>
+              <a:gd name="adj4" fmla="val 124961"/>
+            </a:avLst>
+          </a:prstGeom>
+          <a:noFill/>
+          <a:ln>
+            <a:solidFill>
+              <a:srgbClr val="FF0000"/>
+            </a:solidFill>
+          </a:ln>
+        </p:spPr>
+        <p:style>
+          <a:lnRef idx="2">
+            <a:schemeClr val="accent1">
+              <a:shade val="50000"/>
+            </a:schemeClr>
+          </a:lnRef>
+          <a:fillRef idx="1">
+            <a:schemeClr val="accent1"/>
+          </a:fillRef>
+          <a:effectRef idx="0">
+            <a:schemeClr val="accent1"/>
+          </a:effectRef>
+          <a:fontRef idx="minor">
+            <a:schemeClr val="lt1"/>
+          </a:fontRef>
+        </p:style>
+        <p:txBody>
+          <a:bodyPr rtlCol="0" anchor="ctr"/>
+          <a:lstStyle/>
+          <a:p>
+            <a:pPr algn="ctr"/>
+            <a:r>
+              <a:rPr lang="zh-CN" altLang="en-US" sz="1200" dirty="0" smtClean="0">
+                <a:solidFill>
+                  <a:srgbClr val="FF0000"/>
+                </a:solidFill>
+              </a:rPr>
+              <a:t>下载箱式图</a:t>
+            </a:r>
+            <a:endParaRPr lang="zh-CN" altLang="en-US" sz="1200" dirty="0">
+              <a:solidFill>
+                <a:srgbClr val="FF0000"/>
+              </a:solidFill>
+            </a:endParaRPr>
+          </a:p>
+        </p:txBody>
+      </p:sp>
+      <p:sp>
+        <p:nvSpPr>
+          <p:cNvPr id="6" name="TextBox 5"/>
+          <p:cNvSpPr txBox="1"/>
+          <p:nvPr/>
+        </p:nvSpPr>
+        <p:spPr>
+          <a:xfrm>
+            <a:off x="4025868" y="1052736"/>
+            <a:ext cx="1358044" cy="338554"/>
+          </a:xfrm>
+          <a:prstGeom prst="rect">
+            <a:avLst/>
+          </a:prstGeom>
+          <a:noFill/>
+        </p:spPr>
+        <p:txBody>
+          <a:bodyPr wrap="square" rtlCol="0">
+            <a:spAutoFit/>
+          </a:bodyPr>
+          <a:lstStyle/>
+          <a:p>
+            <a:r>
+              <a:rPr lang="zh-CN" altLang="en-US" sz="1600" b="1" dirty="0" smtClean="0"/>
+              <a:t>秩和检验</a:t>
+            </a:r>
+            <a:endParaRPr lang="zh-CN" altLang="en-US" sz="1600" b="1" dirty="0"/>
+          </a:p>
+        </p:txBody>
+      </p:sp>
     </p:spTree>
     <p:extLst>
       <p:ext uri="{BB962C8B-B14F-4D97-AF65-F5344CB8AC3E}">
         <p14:creationId xmlns:p14="http://schemas.microsoft.com/office/powerpoint/2010/main" val="161924311"/>
-      </p:ext>
-    </p:extLst>
-  </p:cSld>
-  <p:clrMapOvr>
-    <a:masterClrMapping/>
-  </p:clrMapOvr>
-</p:sld>
-</file>
-
-<file path=ppt/slides/slide2.xml><?xml version="1.0" encoding="utf-8"?>
-<p:sld xmlns:a="http://schemas.openxmlformats.org/drawingml/2006/main" xmlns:r="http://schemas.openxmlformats.org/officeDocument/2006/relationships" xmlns:p="http://schemas.openxmlformats.org/presentationml/2006/main">
-  <p:cSld>
-    <p:spTree>
-      <p:nvGrpSpPr>
-        <p:cNvPr id="1" name=""/>
-        <p:cNvGrpSpPr/>
-        <p:nvPr/>
-      </p:nvGrpSpPr>
-      <p:grpSpPr>
-        <a:xfrm>
-          <a:off x="0" y="0"/>
-          <a:ext cx="0" cy="0"/>
-          <a:chOff x="0" y="0"/>
-          <a:chExt cx="0" cy="0"/>
-        </a:xfrm>
-      </p:grpSpPr>
-      <p:pic>
-        <p:nvPicPr>
-          <p:cNvPr id="2" name="图片 1"/>
-          <p:cNvPicPr>
-            <a:picLocks noChangeAspect="1"/>
-          </p:cNvPicPr>
-          <p:nvPr/>
-        </p:nvPicPr>
-        <p:blipFill>
-          <a:blip r:embed="rId2">
-            <a:extLst>
-              <a:ext uri="{28A0092B-C50C-407E-A947-70E740481C1C}">
-                <a14:useLocalDpi xmlns:a14="http://schemas.microsoft.com/office/drawing/2010/main" val="0"/>
-              </a:ext>
-            </a:extLst>
-          </a:blip>
-          <a:stretch>
-            <a:fillRect/>
-          </a:stretch>
-        </p:blipFill>
-        <p:spPr>
-          <a:xfrm>
-            <a:off x="2843808" y="1340768"/>
-            <a:ext cx="2863997" cy="4051508"/>
-          </a:xfrm>
-          <a:prstGeom prst="rect">
-            <a:avLst/>
-          </a:prstGeom>
-        </p:spPr>
-      </p:pic>
-    </p:spTree>
-    <p:extLst>
-      <p:ext uri="{BB962C8B-B14F-4D97-AF65-F5344CB8AC3E}">
-        <p14:creationId xmlns:p14="http://schemas.microsoft.com/office/powerpoint/2010/main" val="2124755302"/>
       </p:ext>
     </p:extLst>
   </p:cSld>
